--- a/public/images/logo.pptx
+++ b/public/images/logo.pptx
@@ -5,8 +5,10 @@
     <p:sldMasterId id="2147483648" r:id="rId1"/>
   </p:sldMasterIdLst>
   <p:sldIdLst>
-    <p:sldId id="256" r:id="rId2"/>
-    <p:sldId id="257" r:id="rId3"/>
+    <p:sldId id="259" r:id="rId2"/>
+    <p:sldId id="260" r:id="rId3"/>
+    <p:sldId id="256" r:id="rId4"/>
+    <p:sldId id="257" r:id="rId5"/>
   </p:sldIdLst>
   <p:sldSz cx="9144000" cy="5715000" type="screen16x10"/>
   <p:notesSz cx="6858000" cy="9144000"/>
@@ -105,6 +107,22 @@
       </a:defRPr>
     </a:lvl9pPr>
   </p:defaultTextStyle>
+  <p:extLst>
+    <p:ext uri="{EFAFB233-063F-42B5-8137-9DF3F51BA10A}">
+      <p15:sldGuideLst xmlns:p15="http://schemas.microsoft.com/office/powerpoint/2012/main" xmlns="">
+        <p15:guide id="1" orient="horz" pos="1800">
+          <p15:clr>
+            <a:srgbClr val="A4A3A4"/>
+          </p15:clr>
+        </p15:guide>
+        <p15:guide id="2" pos="2880">
+          <p15:clr>
+            <a:srgbClr val="A4A3A4"/>
+          </p15:clr>
+        </p15:guide>
+      </p15:sldGuideLst>
+    </p:ext>
+  </p:extLst>
 </p:presentation>
 </file>
 
@@ -289,7 +307,7 @@
           <a:p>
             <a:fld id="{F3B052C5-6A67-1142-8D9E-FB6DC486E0FE}" type="datetimeFigureOut">
               <a:rPr kumimoji="1" lang="zh-CN" altLang="en-US" smtClean="0"/>
-              <a:t>18/5/11</a:t>
+              <a:t>19/6/19</a:t>
             </a:fld>
             <a:endParaRPr kumimoji="1" lang="zh-CN" altLang="en-US"/>
           </a:p>
@@ -459,7 +477,7 @@
           <a:p>
             <a:fld id="{F3B052C5-6A67-1142-8D9E-FB6DC486E0FE}" type="datetimeFigureOut">
               <a:rPr kumimoji="1" lang="zh-CN" altLang="en-US" smtClean="0"/>
-              <a:t>18/5/11</a:t>
+              <a:t>19/6/19</a:t>
             </a:fld>
             <a:endParaRPr kumimoji="1" lang="zh-CN" altLang="en-US"/>
           </a:p>
@@ -639,7 +657,7 @@
           <a:p>
             <a:fld id="{F3B052C5-6A67-1142-8D9E-FB6DC486E0FE}" type="datetimeFigureOut">
               <a:rPr kumimoji="1" lang="zh-CN" altLang="en-US" smtClean="0"/>
-              <a:t>18/5/11</a:t>
+              <a:t>19/6/19</a:t>
             </a:fld>
             <a:endParaRPr kumimoji="1" lang="zh-CN" altLang="en-US"/>
           </a:p>
@@ -896,7 +914,7 @@
           <a:p>
             <a:fld id="{F3B052C5-6A67-1142-8D9E-FB6DC486E0FE}" type="datetimeFigureOut">
               <a:rPr kumimoji="1" lang="zh-CN" altLang="en-US" smtClean="0"/>
-              <a:t>18/5/11</a:t>
+              <a:t>19/6/19</a:t>
             </a:fld>
             <a:endParaRPr kumimoji="1" lang="zh-CN" altLang="en-US"/>
           </a:p>
@@ -1142,7 +1160,7 @@
           <a:p>
             <a:fld id="{F3B052C5-6A67-1142-8D9E-FB6DC486E0FE}" type="datetimeFigureOut">
               <a:rPr kumimoji="1" lang="zh-CN" altLang="en-US" smtClean="0"/>
-              <a:t>18/5/11</a:t>
+              <a:t>19/6/19</a:t>
             </a:fld>
             <a:endParaRPr kumimoji="1" lang="zh-CN" altLang="en-US"/>
           </a:p>
@@ -1430,7 +1448,7 @@
           <a:p>
             <a:fld id="{F3B052C5-6A67-1142-8D9E-FB6DC486E0FE}" type="datetimeFigureOut">
               <a:rPr kumimoji="1" lang="zh-CN" altLang="en-US" smtClean="0"/>
-              <a:t>18/5/11</a:t>
+              <a:t>19/6/19</a:t>
             </a:fld>
             <a:endParaRPr kumimoji="1" lang="zh-CN" altLang="en-US"/>
           </a:p>
@@ -1852,7 +1870,7 @@
           <a:p>
             <a:fld id="{F3B052C5-6A67-1142-8D9E-FB6DC486E0FE}" type="datetimeFigureOut">
               <a:rPr kumimoji="1" lang="zh-CN" altLang="en-US" smtClean="0"/>
-              <a:t>18/5/11</a:t>
+              <a:t>19/6/19</a:t>
             </a:fld>
             <a:endParaRPr kumimoji="1" lang="zh-CN" altLang="en-US"/>
           </a:p>
@@ -1970,7 +1988,7 @@
           <a:p>
             <a:fld id="{F3B052C5-6A67-1142-8D9E-FB6DC486E0FE}" type="datetimeFigureOut">
               <a:rPr kumimoji="1" lang="zh-CN" altLang="en-US" smtClean="0"/>
-              <a:t>18/5/11</a:t>
+              <a:t>19/6/19</a:t>
             </a:fld>
             <a:endParaRPr kumimoji="1" lang="zh-CN" altLang="en-US"/>
           </a:p>
@@ -2065,7 +2083,7 @@
           <a:p>
             <a:fld id="{F3B052C5-6A67-1142-8D9E-FB6DC486E0FE}" type="datetimeFigureOut">
               <a:rPr kumimoji="1" lang="zh-CN" altLang="en-US" smtClean="0"/>
-              <a:t>18/5/11</a:t>
+              <a:t>19/6/19</a:t>
             </a:fld>
             <a:endParaRPr kumimoji="1" lang="zh-CN" altLang="en-US"/>
           </a:p>
@@ -2342,7 +2360,7 @@
           <a:p>
             <a:fld id="{F3B052C5-6A67-1142-8D9E-FB6DC486E0FE}" type="datetimeFigureOut">
               <a:rPr kumimoji="1" lang="zh-CN" altLang="en-US" smtClean="0"/>
-              <a:t>18/5/11</a:t>
+              <a:t>19/6/19</a:t>
             </a:fld>
             <a:endParaRPr kumimoji="1" lang="zh-CN" altLang="en-US"/>
           </a:p>
@@ -2595,7 +2613,7 @@
           <a:p>
             <a:fld id="{F3B052C5-6A67-1142-8D9E-FB6DC486E0FE}" type="datetimeFigureOut">
               <a:rPr kumimoji="1" lang="zh-CN" altLang="en-US" smtClean="0"/>
-              <a:t>18/5/11</a:t>
+              <a:t>19/6/19</a:t>
             </a:fld>
             <a:endParaRPr kumimoji="1" lang="zh-CN" altLang="en-US"/>
           </a:p>
@@ -2808,7 +2826,7 @@
           <a:p>
             <a:fld id="{F3B052C5-6A67-1142-8D9E-FB6DC486E0FE}" type="datetimeFigureOut">
               <a:rPr kumimoji="1" lang="zh-CN" altLang="en-US" smtClean="0"/>
-              <a:t>18/5/11</a:t>
+              <a:t>19/6/19</a:t>
             </a:fld>
             <a:endParaRPr kumimoji="1" lang="zh-CN" altLang="en-US"/>
           </a:p>
@@ -3168,6 +3186,273 @@
 </file>
 
 <file path=ppt/slides/slide1.xml><?xml version="1.0" encoding="utf-8"?>
+<p:sld xmlns:a="http://schemas.openxmlformats.org/drawingml/2006/main" xmlns:r="http://schemas.openxmlformats.org/officeDocument/2006/relationships" xmlns:p="http://schemas.openxmlformats.org/presentationml/2006/main">
+  <p:cSld>
+    <p:spTree>
+      <p:nvGrpSpPr>
+        <p:cNvPr id="1" name=""/>
+        <p:cNvGrpSpPr/>
+        <p:nvPr/>
+      </p:nvGrpSpPr>
+      <p:grpSpPr>
+        <a:xfrm>
+          <a:off x="0" y="0"/>
+          <a:ext cx="0" cy="0"/>
+          <a:chOff x="0" y="0"/>
+          <a:chExt cx="0" cy="0"/>
+        </a:xfrm>
+      </p:grpSpPr>
+      <p:grpSp>
+        <p:nvGrpSpPr>
+          <p:cNvPr id="2" name="组 1"/>
+          <p:cNvGrpSpPr/>
+          <p:nvPr/>
+        </p:nvGrpSpPr>
+        <p:grpSpPr>
+          <a:xfrm>
+            <a:off x="921229" y="1827673"/>
+            <a:ext cx="7429093" cy="1138773"/>
+            <a:chOff x="1896273" y="695503"/>
+            <a:chExt cx="7429093" cy="1138773"/>
+          </a:xfrm>
+        </p:grpSpPr>
+        <p:sp>
+          <p:nvSpPr>
+            <p:cNvPr id="6" name="文本框 5"/>
+            <p:cNvSpPr txBox="1"/>
+            <p:nvPr/>
+          </p:nvSpPr>
+          <p:spPr>
+            <a:xfrm>
+              <a:off x="2774014" y="695503"/>
+              <a:ext cx="6551352" cy="1138773"/>
+            </a:xfrm>
+            <a:prstGeom prst="rect">
+              <a:avLst/>
+            </a:prstGeom>
+            <a:noFill/>
+          </p:spPr>
+          <p:txBody>
+            <a:bodyPr wrap="square" rtlCol="0">
+              <a:spAutoFit/>
+            </a:bodyPr>
+            <a:lstStyle/>
+            <a:p>
+              <a:pPr algn="ctr"/>
+              <a:r>
+                <a:rPr kumimoji="1" lang="zh-CN" altLang="en-US" sz="4800" dirty="0" smtClean="0">
+                  <a:solidFill>
+                    <a:schemeClr val="bg1">
+                      <a:lumMod val="50000"/>
+                    </a:schemeClr>
+                  </a:solidFill>
+                  <a:latin typeface="Microsoft YaHei"/>
+                  <a:ea typeface="Microsoft YaHei"/>
+                  <a:cs typeface="Microsoft YaHei"/>
+                </a:rPr>
+                <a:t>计算传播学</a:t>
+              </a:r>
+              <a:r>
+                <a:rPr kumimoji="1" lang="zh-CN" altLang="en-US" sz="4800" dirty="0" smtClean="0">
+                  <a:solidFill>
+                    <a:schemeClr val="bg1">
+                      <a:lumMod val="50000"/>
+                    </a:schemeClr>
+                  </a:solidFill>
+                  <a:latin typeface="Microsoft YaHei"/>
+                  <a:ea typeface="Microsoft YaHei"/>
+                  <a:cs typeface="Microsoft YaHei"/>
+                </a:rPr>
+                <a:t>研究委员会</a:t>
+              </a:r>
+              <a:endParaRPr kumimoji="1" lang="zh-CN" altLang="en-US" sz="4800" dirty="0" smtClean="0">
+                <a:solidFill>
+                  <a:schemeClr val="bg1">
+                    <a:lumMod val="50000"/>
+                  </a:schemeClr>
+                </a:solidFill>
+                <a:latin typeface="Microsoft YaHei"/>
+                <a:ea typeface="Microsoft YaHei"/>
+                <a:cs typeface="Microsoft YaHei"/>
+              </a:endParaRPr>
+            </a:p>
+            <a:p>
+              <a:pPr algn="ctr"/>
+              <a:r>
+                <a:rPr kumimoji="1" lang="en-US" altLang="zh-CN" sz="2000" dirty="0" smtClean="0">
+                  <a:solidFill>
+                    <a:schemeClr val="accent5"/>
+                  </a:solidFill>
+                  <a:latin typeface="Franklin Gothic Medium"/>
+                  <a:ea typeface="Hiragino Sans GB W6"/>
+                  <a:cs typeface="Franklin Gothic Medium"/>
+                </a:rPr>
+                <a:t>Computational Communication Research Association</a:t>
+              </a:r>
+              <a:endParaRPr kumimoji="1" lang="zh-CN" altLang="en-US" sz="2000" dirty="0">
+                <a:solidFill>
+                  <a:schemeClr val="accent5"/>
+                </a:solidFill>
+                <a:latin typeface="Franklin Gothic Medium"/>
+                <a:ea typeface="Hiragino Sans GB W6"/>
+                <a:cs typeface="Franklin Gothic Medium"/>
+              </a:endParaRPr>
+            </a:p>
+          </p:txBody>
+        </p:sp>
+        <p:pic>
+          <p:nvPicPr>
+            <p:cNvPr id="16" name="图片 18"/>
+            <p:cNvPicPr>
+              <a:picLocks noChangeAspect="1"/>
+            </p:cNvPicPr>
+            <p:nvPr/>
+          </p:nvPicPr>
+          <p:blipFill>
+            <a:blip r:embed="rId2">
+              <a:extLst>
+                <a:ext uri="{28A0092B-C50C-407E-A947-70E740481C1C}">
+                  <a14:useLocalDpi xmlns:a14="http://schemas.microsoft.com/office/drawing/2010/main" val="0"/>
+                </a:ext>
+              </a:extLst>
+            </a:blip>
+            <a:srcRect/>
+            <a:stretch>
+              <a:fillRect/>
+            </a:stretch>
+          </p:blipFill>
+          <p:spPr bwMode="auto">
+            <a:xfrm rot="20732568">
+              <a:off x="1896273" y="827094"/>
+              <a:ext cx="964732" cy="946345"/>
+            </a:xfrm>
+            <a:prstGeom prst="rect">
+              <a:avLst/>
+            </a:prstGeom>
+            <a:noFill/>
+            <a:ln>
+              <a:noFill/>
+            </a:ln>
+            <a:extLst>
+              <a:ext uri="{909E8E84-426E-40dd-AFC4-6F175D3DCCD1}">
+                <a14:hiddenFill xmlns:a14="http://schemas.microsoft.com/office/drawing/2010/main">
+                  <a:solidFill>
+                    <a:srgbClr val="FFFFFF"/>
+                  </a:solidFill>
+                </a14:hiddenFill>
+              </a:ext>
+              <a:ext uri="{91240B29-F687-4f45-9708-019B960494DF}">
+                <a14:hiddenLine xmlns:a14="http://schemas.microsoft.com/office/drawing/2010/main" w="9525">
+                  <a:solidFill>
+                    <a:srgbClr val="000000"/>
+                  </a:solidFill>
+                  <a:miter lim="800000"/>
+                  <a:headEnd/>
+                  <a:tailEnd/>
+                </a14:hiddenLine>
+              </a:ext>
+            </a:extLst>
+          </p:spPr>
+        </p:pic>
+      </p:grpSp>
+    </p:spTree>
+    <p:extLst>
+      <p:ext uri="{BB962C8B-B14F-4D97-AF65-F5344CB8AC3E}">
+        <p14:creationId xmlns:p14="http://schemas.microsoft.com/office/powerpoint/2010/main" val="553753362"/>
+      </p:ext>
+    </p:extLst>
+  </p:cSld>
+  <p:clrMapOvr>
+    <a:masterClrMapping/>
+  </p:clrMapOvr>
+</p:sld>
+</file>
+
+<file path=ppt/slides/slide2.xml><?xml version="1.0" encoding="utf-8"?>
+<p:sld xmlns:a="http://schemas.openxmlformats.org/drawingml/2006/main" xmlns:r="http://schemas.openxmlformats.org/officeDocument/2006/relationships" xmlns:p="http://schemas.openxmlformats.org/presentationml/2006/main">
+  <p:cSld>
+    <p:spTree>
+      <p:nvGrpSpPr>
+        <p:cNvPr id="1" name=""/>
+        <p:cNvGrpSpPr/>
+        <p:nvPr/>
+      </p:nvGrpSpPr>
+      <p:grpSpPr>
+        <a:xfrm>
+          <a:off x="0" y="0"/>
+          <a:ext cx="0" cy="0"/>
+          <a:chOff x="0" y="0"/>
+          <a:chExt cx="0" cy="0"/>
+        </a:xfrm>
+      </p:grpSpPr>
+      <p:pic>
+        <p:nvPicPr>
+          <p:cNvPr id="2" name="图片 18"/>
+          <p:cNvPicPr>
+            <a:picLocks noChangeAspect="1"/>
+          </p:cNvPicPr>
+          <p:nvPr/>
+        </p:nvPicPr>
+        <p:blipFill>
+          <a:blip r:embed="rId2">
+            <a:extLst>
+              <a:ext uri="{28A0092B-C50C-407E-A947-70E740481C1C}">
+                <a14:useLocalDpi xmlns:a14="http://schemas.microsoft.com/office/drawing/2010/main" val="0"/>
+              </a:ext>
+            </a:extLst>
+          </a:blip>
+          <a:srcRect/>
+          <a:stretch>
+            <a:fillRect/>
+          </a:stretch>
+        </p:blipFill>
+        <p:spPr bwMode="auto">
+          <a:xfrm rot="20732568">
+            <a:off x="539552" y="197653"/>
+            <a:ext cx="5060678" cy="4964229"/>
+          </a:xfrm>
+          <a:prstGeom prst="rect">
+            <a:avLst/>
+          </a:prstGeom>
+          <a:noFill/>
+          <a:ln>
+            <a:noFill/>
+          </a:ln>
+          <a:extLst>
+            <a:ext uri="{909E8E84-426E-40dd-AFC4-6F175D3DCCD1}">
+              <a14:hiddenFill xmlns:a14="http://schemas.microsoft.com/office/drawing/2010/main">
+                <a:solidFill>
+                  <a:srgbClr val="FFFFFF"/>
+                </a:solidFill>
+              </a14:hiddenFill>
+            </a:ext>
+            <a:ext uri="{91240B29-F687-4f45-9708-019B960494DF}">
+              <a14:hiddenLine xmlns:a14="http://schemas.microsoft.com/office/drawing/2010/main" w="9525">
+                <a:solidFill>
+                  <a:srgbClr val="000000"/>
+                </a:solidFill>
+                <a:miter lim="800000"/>
+                <a:headEnd/>
+                <a:tailEnd/>
+              </a14:hiddenLine>
+            </a:ext>
+          </a:extLst>
+        </p:spPr>
+      </p:pic>
+    </p:spTree>
+    <p:extLst>
+      <p:ext uri="{BB962C8B-B14F-4D97-AF65-F5344CB8AC3E}">
+        <p14:creationId xmlns:p14="http://schemas.microsoft.com/office/powerpoint/2010/main" val="725456984"/>
+      </p:ext>
+    </p:extLst>
+  </p:cSld>
+  <p:clrMapOvr>
+    <a:masterClrMapping/>
+  </p:clrMapOvr>
+</p:sld>
+</file>
+
+<file path=ppt/slides/slide3.xml><?xml version="1.0" encoding="utf-8"?>
 <p:sld xmlns:a="http://schemas.openxmlformats.org/drawingml/2006/main" xmlns:r="http://schemas.openxmlformats.org/officeDocument/2006/relationships" xmlns:p="http://schemas.openxmlformats.org/presentationml/2006/main">
   <p:cSld>
     <p:spTree>
@@ -3665,7 +3950,7 @@
 </p:sld>
 </file>
 
-<file path=ppt/slides/slide2.xml><?xml version="1.0" encoding="utf-8"?>
+<file path=ppt/slides/slide4.xml><?xml version="1.0" encoding="utf-8"?>
 <p:sld xmlns:a="http://schemas.openxmlformats.org/drawingml/2006/main" xmlns:r="http://schemas.openxmlformats.org/officeDocument/2006/relationships" xmlns:p="http://schemas.openxmlformats.org/presentationml/2006/main">
   <p:cSld>
     <p:spTree>

--- a/public/images/logo.pptx
+++ b/public/images/logo.pptx
@@ -6,9 +6,10 @@
   </p:sldMasterIdLst>
   <p:sldIdLst>
     <p:sldId id="259" r:id="rId2"/>
-    <p:sldId id="260" r:id="rId3"/>
-    <p:sldId id="256" r:id="rId4"/>
-    <p:sldId id="257" r:id="rId5"/>
+    <p:sldId id="261" r:id="rId3"/>
+    <p:sldId id="260" r:id="rId4"/>
+    <p:sldId id="256" r:id="rId5"/>
+    <p:sldId id="257" r:id="rId6"/>
   </p:sldIdLst>
   <p:sldSz cx="9144000" cy="5715000" type="screen16x10"/>
   <p:notesSz cx="6858000" cy="9144000"/>
@@ -109,7 +110,7 @@
   </p:defaultTextStyle>
   <p:extLst>
     <p:ext uri="{EFAFB233-063F-42B5-8137-9DF3F51BA10A}">
-      <p15:sldGuideLst xmlns:p15="http://schemas.microsoft.com/office/powerpoint/2012/main" xmlns="">
+      <p15:sldGuideLst xmlns="" xmlns:p15="http://schemas.microsoft.com/office/powerpoint/2012/main">
         <p15:guide id="1" orient="horz" pos="1800">
           <p15:clr>
             <a:srgbClr val="A4A3A4"/>
@@ -3250,31 +3251,8 @@
                   <a:ea typeface="Microsoft YaHei"/>
                   <a:cs typeface="Microsoft YaHei"/>
                 </a:rPr>
-                <a:t>计算传播学</a:t>
+                <a:t>计算传播学研究委员会</a:t>
               </a:r>
-              <a:r>
-                <a:rPr kumimoji="1" lang="zh-CN" altLang="en-US" sz="4800" dirty="0" smtClean="0">
-                  <a:solidFill>
-                    <a:schemeClr val="bg1">
-                      <a:lumMod val="50000"/>
-                    </a:schemeClr>
-                  </a:solidFill>
-                  <a:latin typeface="Microsoft YaHei"/>
-                  <a:ea typeface="Microsoft YaHei"/>
-                  <a:cs typeface="Microsoft YaHei"/>
-                </a:rPr>
-                <a:t>研究委员会</a:t>
-              </a:r>
-              <a:endParaRPr kumimoji="1" lang="zh-CN" altLang="en-US" sz="4800" dirty="0" smtClean="0">
-                <a:solidFill>
-                  <a:schemeClr val="bg1">
-                    <a:lumMod val="50000"/>
-                  </a:schemeClr>
-                </a:solidFill>
-                <a:latin typeface="Microsoft YaHei"/>
-                <a:ea typeface="Microsoft YaHei"/>
-                <a:cs typeface="Microsoft YaHei"/>
-              </a:endParaRPr>
             </a:p>
             <a:p>
               <a:pPr algn="ctr"/>
@@ -3387,6 +3365,66 @@
       </p:grpSpPr>
       <p:pic>
         <p:nvPicPr>
+          <p:cNvPr id="2" name="图片 1" descr="logo.pdf"/>
+          <p:cNvPicPr>
+            <a:picLocks noChangeAspect="1"/>
+          </p:cNvPicPr>
+          <p:nvPr/>
+        </p:nvPicPr>
+        <p:blipFill>
+          <a:blip r:embed="rId2">
+            <a:extLst>
+              <a:ext uri="{28A0092B-C50C-407E-A947-70E740481C1C}">
+                <a14:useLocalDpi xmlns:a14="http://schemas.microsoft.com/office/drawing/2010/main" val="0"/>
+              </a:ext>
+            </a:extLst>
+          </a:blip>
+          <a:stretch>
+            <a:fillRect/>
+          </a:stretch>
+        </p:blipFill>
+        <p:spPr>
+          <a:xfrm>
+            <a:off x="546100" y="2006600"/>
+            <a:ext cx="8051800" cy="1689100"/>
+          </a:xfrm>
+          <a:prstGeom prst="rect">
+            <a:avLst/>
+          </a:prstGeom>
+        </p:spPr>
+      </p:pic>
+    </p:spTree>
+    <p:extLst>
+      <p:ext uri="{BB962C8B-B14F-4D97-AF65-F5344CB8AC3E}">
+        <p14:creationId xmlns:p14="http://schemas.microsoft.com/office/powerpoint/2010/main" val="3686909114"/>
+      </p:ext>
+    </p:extLst>
+  </p:cSld>
+  <p:clrMapOvr>
+    <a:masterClrMapping/>
+  </p:clrMapOvr>
+</p:sld>
+</file>
+
+<file path=ppt/slides/slide3.xml><?xml version="1.0" encoding="utf-8"?>
+<p:sld xmlns:a="http://schemas.openxmlformats.org/drawingml/2006/main" xmlns:r="http://schemas.openxmlformats.org/officeDocument/2006/relationships" xmlns:p="http://schemas.openxmlformats.org/presentationml/2006/main">
+  <p:cSld>
+    <p:spTree>
+      <p:nvGrpSpPr>
+        <p:cNvPr id="1" name=""/>
+        <p:cNvGrpSpPr/>
+        <p:nvPr/>
+      </p:nvGrpSpPr>
+      <p:grpSpPr>
+        <a:xfrm>
+          <a:off x="0" y="0"/>
+          <a:ext cx="0" cy="0"/>
+          <a:chOff x="0" y="0"/>
+          <a:chExt cx="0" cy="0"/>
+        </a:xfrm>
+      </p:grpSpPr>
+      <p:pic>
+        <p:nvPicPr>
           <p:cNvPr id="2" name="图片 18"/>
           <p:cNvPicPr>
             <a:picLocks noChangeAspect="1"/>
@@ -3452,7 +3490,7 @@
 </p:sld>
 </file>
 
-<file path=ppt/slides/slide3.xml><?xml version="1.0" encoding="utf-8"?>
+<file path=ppt/slides/slide4.xml><?xml version="1.0" encoding="utf-8"?>
 <p:sld xmlns:a="http://schemas.openxmlformats.org/drawingml/2006/main" xmlns:r="http://schemas.openxmlformats.org/officeDocument/2006/relationships" xmlns:p="http://schemas.openxmlformats.org/presentationml/2006/main">
   <p:cSld>
     <p:spTree>
@@ -3950,7 +3988,7 @@
 </p:sld>
 </file>
 
-<file path=ppt/slides/slide4.xml><?xml version="1.0" encoding="utf-8"?>
+<file path=ppt/slides/slide5.xml><?xml version="1.0" encoding="utf-8"?>
 <p:sld xmlns:a="http://schemas.openxmlformats.org/drawingml/2006/main" xmlns:r="http://schemas.openxmlformats.org/officeDocument/2006/relationships" xmlns:p="http://schemas.openxmlformats.org/presentationml/2006/main">
   <p:cSld>
     <p:spTree>
